--- a/TRACK LOCATION  USING nodeMCU POWERPOINT.pptx
+++ b/TRACK LOCATION  USING nodeMCU POWERPOINT.pptx
@@ -6,14 +6,13 @@
   </p:sldMasterIdLst>
   <p:sldIdLst>
     <p:sldId id="257" r:id="rId2"/>
-    <p:sldId id="269" r:id="rId3"/>
-    <p:sldId id="264" r:id="rId4"/>
-    <p:sldId id="263" r:id="rId5"/>
-    <p:sldId id="261" r:id="rId6"/>
-    <p:sldId id="267" r:id="rId7"/>
-    <p:sldId id="265" r:id="rId8"/>
-    <p:sldId id="266" r:id="rId9"/>
-    <p:sldId id="268" r:id="rId10"/>
+    <p:sldId id="264" r:id="rId3"/>
+    <p:sldId id="263" r:id="rId4"/>
+    <p:sldId id="261" r:id="rId5"/>
+    <p:sldId id="267" r:id="rId6"/>
+    <p:sldId id="265" r:id="rId7"/>
+    <p:sldId id="266" r:id="rId8"/>
+    <p:sldId id="268" r:id="rId9"/>
   </p:sldIdLst>
   <p:sldSz cx="9144000" cy="6858000" type="screen4x3"/>
   <p:notesSz cx="6858000" cy="9144000"/>
@@ -114,7 +113,7 @@
   </p:defaultTextStyle>
   <p:extLst>
     <p:ext uri="{EFAFB233-063F-42B5-8137-9DF3F51BA10A}">
-      <p15:sldGuideLst xmlns:p15="http://schemas.microsoft.com/office/powerpoint/2012/main" xmlns="">
+      <p15:sldGuideLst xmlns:p15="http://schemas.microsoft.com/office/powerpoint/2012/main">
         <p15:guide id="1" orient="horz" pos="2160">
           <p15:clr>
             <a:srgbClr val="A4A3A4"/>
@@ -3236,141 +3235,6 @@
             <p:ph type="title"/>
           </p:nvPr>
         </p:nvSpPr>
-        <p:spPr/>
-        <p:txBody>
-          <a:bodyPr/>
-          <a:lstStyle/>
-          <a:p>
-            <a:r>
-              <a:rPr lang="en-GB" dirty="0" smtClean="0"/>
-              <a:t>The working principal</a:t>
-            </a:r>
-            <a:endParaRPr lang="en-GB" dirty="0"/>
-          </a:p>
-        </p:txBody>
-      </p:sp>
-      <p:sp>
-        <p:nvSpPr>
-          <p:cNvPr id="3" name="Content Placeholder 2"/>
-          <p:cNvSpPr>
-            <a:spLocks noGrp="1"/>
-          </p:cNvSpPr>
-          <p:nvPr>
-            <p:ph idx="1"/>
-          </p:nvPr>
-        </p:nvSpPr>
-        <p:spPr/>
-        <p:txBody>
-          <a:bodyPr/>
-          <a:lstStyle/>
-          <a:p>
-            <a:pPr marL="0" indent="0">
-              <a:buNone/>
-            </a:pPr>
-            <a:r>
-              <a:rPr lang="en-GB" dirty="0" smtClean="0"/>
-              <a:t>Fist of all we must have the </a:t>
-            </a:r>
-            <a:r>
-              <a:rPr lang="en-GB" dirty="0" err="1" smtClean="0"/>
-              <a:t>nodeMCU</a:t>
-            </a:r>
-            <a:r>
-              <a:rPr lang="en-GB" dirty="0" smtClean="0"/>
-              <a:t> connect to the laptop, the we install the </a:t>
-            </a:r>
-            <a:r>
-              <a:rPr lang="en-GB" dirty="0" err="1" smtClean="0"/>
-              <a:t>Arduino</a:t>
-            </a:r>
-            <a:r>
-              <a:rPr lang="en-GB" dirty="0" smtClean="0"/>
-              <a:t> software with some libraries </a:t>
-            </a:r>
-            <a:r>
-              <a:rPr lang="en-GB" dirty="0" err="1" smtClean="0"/>
-              <a:t>unclude</a:t>
-            </a:r>
-            <a:r>
-              <a:rPr lang="en-GB" dirty="0" smtClean="0"/>
-              <a:t>, ESP8266HTTP ,ArduinoJson,ESP8266wifi,then we found the </a:t>
-            </a:r>
-            <a:r>
-              <a:rPr lang="en-GB" dirty="0"/>
-              <a:t>Google’s </a:t>
-            </a:r>
-            <a:r>
-              <a:rPr lang="en-GB" dirty="0" err="1"/>
-              <a:t>Geolocation</a:t>
-            </a:r>
-            <a:r>
-              <a:rPr lang="en-GB" dirty="0"/>
-              <a:t> </a:t>
-            </a:r>
-            <a:r>
-              <a:rPr lang="en-GB" dirty="0" smtClean="0"/>
-              <a:t>API. we will put this API key in the codes. will help us to get the </a:t>
-            </a:r>
-            <a:r>
-              <a:rPr lang="en-GB" dirty="0" err="1" smtClean="0"/>
-              <a:t>google</a:t>
-            </a:r>
-            <a:r>
-              <a:rPr lang="en-GB" dirty="0" smtClean="0"/>
-              <a:t> map </a:t>
-            </a:r>
-            <a:r>
-              <a:rPr lang="en-GB" dirty="0" err="1" smtClean="0"/>
-              <a:t>data.after</a:t>
-            </a:r>
-            <a:r>
-              <a:rPr lang="en-GB" dirty="0" smtClean="0"/>
-              <a:t> running the program we will get the longitude and latitude.</a:t>
-            </a:r>
-            <a:endParaRPr lang="en-GB" sz="1800" dirty="0"/>
-          </a:p>
-        </p:txBody>
-      </p:sp>
-    </p:spTree>
-    <p:extLst>
-      <p:ext uri="{BB962C8B-B14F-4D97-AF65-F5344CB8AC3E}">
-        <p14:creationId xmlns:p14="http://schemas.microsoft.com/office/powerpoint/2010/main" val="377167702"/>
-      </p:ext>
-    </p:extLst>
-  </p:cSld>
-  <p:clrMapOvr>
-    <a:masterClrMapping/>
-  </p:clrMapOvr>
-</p:sld>
-</file>
-
-<file path=ppt/slides/slide3.xml><?xml version="1.0" encoding="utf-8"?>
-<p:sld xmlns:a="http://schemas.openxmlformats.org/drawingml/2006/main" xmlns:r="http://schemas.openxmlformats.org/officeDocument/2006/relationships" xmlns:p="http://schemas.openxmlformats.org/presentationml/2006/main">
-  <p:cSld>
-    <p:spTree>
-      <p:nvGrpSpPr>
-        <p:cNvPr id="1" name=""/>
-        <p:cNvGrpSpPr/>
-        <p:nvPr/>
-      </p:nvGrpSpPr>
-      <p:grpSpPr>
-        <a:xfrm>
-          <a:off x="0" y="0"/>
-          <a:ext cx="0" cy="0"/>
-          <a:chOff x="0" y="0"/>
-          <a:chExt cx="0" cy="0"/>
-        </a:xfrm>
-      </p:grpSpPr>
-      <p:sp>
-        <p:nvSpPr>
-          <p:cNvPr id="2" name="Title 1"/>
-          <p:cNvSpPr>
-            <a:spLocks noGrp="1"/>
-          </p:cNvSpPr>
-          <p:nvPr>
-            <p:ph type="title"/>
-          </p:nvPr>
-        </p:nvSpPr>
         <p:spPr>
           <a:xfrm>
             <a:off x="683568" y="260648"/>
@@ -3545,6 +3409,217 @@
 </p:sld>
 </file>
 
+<file path=ppt/slides/slide3.xml><?xml version="1.0" encoding="utf-8"?>
+<p:sld xmlns:a="http://schemas.openxmlformats.org/drawingml/2006/main" xmlns:r="http://schemas.openxmlformats.org/officeDocument/2006/relationships" xmlns:p="http://schemas.openxmlformats.org/presentationml/2006/main">
+  <p:cSld>
+    <p:spTree>
+      <p:nvGrpSpPr>
+        <p:cNvPr id="1" name=""/>
+        <p:cNvGrpSpPr/>
+        <p:nvPr/>
+      </p:nvGrpSpPr>
+      <p:grpSpPr>
+        <a:xfrm>
+          <a:off x="0" y="0"/>
+          <a:ext cx="0" cy="0"/>
+          <a:chOff x="0" y="0"/>
+          <a:chExt cx="0" cy="0"/>
+        </a:xfrm>
+      </p:grpSpPr>
+      <p:sp>
+        <p:nvSpPr>
+          <p:cNvPr id="2" name="Title 1"/>
+          <p:cNvSpPr>
+            <a:spLocks noGrp="1"/>
+          </p:cNvSpPr>
+          <p:nvPr>
+            <p:ph type="title"/>
+          </p:nvPr>
+        </p:nvSpPr>
+        <p:spPr/>
+        <p:txBody>
+          <a:bodyPr>
+            <a:normAutofit fontScale="90000"/>
+          </a:bodyPr>
+          <a:lstStyle/>
+          <a:p>
+            <a:r>
+              <a:rPr lang="en-GB" dirty="0" smtClean="0"/>
+              <a:t>The procedures for getting </a:t>
+            </a:r>
+            <a:r>
+              <a:rPr lang="en-GB" dirty="0"/>
+              <a:t>Google’s </a:t>
+            </a:r>
+            <a:r>
+              <a:rPr lang="en-GB" dirty="0" err="1"/>
+              <a:t>Geolocation</a:t>
+            </a:r>
+            <a:r>
+              <a:rPr lang="en-GB" dirty="0"/>
+              <a:t> API.</a:t>
+            </a:r>
+          </a:p>
+        </p:txBody>
+      </p:sp>
+      <p:sp>
+        <p:nvSpPr>
+          <p:cNvPr id="3" name="Content Placeholder 2"/>
+          <p:cNvSpPr>
+            <a:spLocks noGrp="1"/>
+          </p:cNvSpPr>
+          <p:nvPr>
+            <p:ph idx="1"/>
+          </p:nvPr>
+        </p:nvSpPr>
+        <p:spPr/>
+        <p:txBody>
+          <a:bodyPr>
+            <a:normAutofit fontScale="70000" lnSpcReduction="20000"/>
+          </a:bodyPr>
+          <a:lstStyle/>
+          <a:p>
+            <a:r>
+              <a:rPr lang="en-GB" dirty="0"/>
+              <a:t>Get the API key</a:t>
+            </a:r>
+          </a:p>
+          <a:p>
+            <a:r>
+              <a:rPr lang="en-GB" dirty="0"/>
+              <a:t>You must have at least one API key associated with your project.</a:t>
+            </a:r>
+          </a:p>
+          <a:p>
+            <a:r>
+              <a:rPr lang="en-GB" dirty="0"/>
+              <a:t>To get an API key:</a:t>
+            </a:r>
+          </a:p>
+          <a:p>
+            <a:pPr lvl="0"/>
+            <a:r>
+              <a:rPr lang="en-GB" dirty="0"/>
+              <a:t>Go to the </a:t>
+            </a:r>
+            <a:r>
+              <a:rPr lang="en-GB" dirty="0">
+                <a:hlinkClick r:id="rId2"/>
+              </a:rPr>
+              <a:t>Google Cloud Platform Console</a:t>
+            </a:r>
+            <a:r>
+              <a:rPr lang="en-GB" dirty="0"/>
+              <a:t>.</a:t>
+            </a:r>
+          </a:p>
+          <a:p>
+            <a:pPr lvl="0"/>
+            <a:r>
+              <a:rPr lang="en-GB" dirty="0"/>
+              <a:t>From the Project drop-down menu, select or create the project for which you want to add an API key.</a:t>
+            </a:r>
+          </a:p>
+          <a:p>
+            <a:pPr lvl="0"/>
+            <a:r>
+              <a:rPr lang="en-GB" dirty="0"/>
+              <a:t>From the   Navigation menu, select </a:t>
+            </a:r>
+            <a:r>
+              <a:rPr lang="en-GB" b="1" dirty="0"/>
+              <a:t>APIs &amp; Services &gt; Credentials</a:t>
+            </a:r>
+            <a:r>
+              <a:rPr lang="en-GB" dirty="0"/>
+              <a:t>.</a:t>
+            </a:r>
+          </a:p>
+          <a:p>
+            <a:pPr lvl="0"/>
+            <a:r>
+              <a:rPr lang="en-GB" dirty="0"/>
+              <a:t>On the </a:t>
+            </a:r>
+            <a:r>
+              <a:rPr lang="en-GB" b="1" dirty="0"/>
+              <a:t>Credentials</a:t>
+            </a:r>
+            <a:r>
+              <a:rPr lang="en-GB" dirty="0"/>
+              <a:t> page, click </a:t>
+            </a:r>
+            <a:r>
+              <a:rPr lang="en-GB" b="1" dirty="0"/>
+              <a:t>Create credentials &gt; API key</a:t>
+            </a:r>
+            <a:r>
+              <a:rPr lang="en-GB" dirty="0"/>
+              <a:t>. </a:t>
+            </a:r>
+            <a:br>
+              <a:rPr lang="en-GB" dirty="0"/>
+            </a:br>
+            <a:r>
+              <a:rPr lang="en-GB" dirty="0"/>
+              <a:t>The </a:t>
+            </a:r>
+            <a:r>
+              <a:rPr lang="en-GB" b="1" dirty="0"/>
+              <a:t>API key created</a:t>
+            </a:r>
+            <a:r>
+              <a:rPr lang="en-GB" dirty="0"/>
+              <a:t> dialog displays your newly created API key (an encrypted string).</a:t>
+            </a:r>
+          </a:p>
+          <a:p>
+            <a:pPr lvl="0"/>
+            <a:r>
+              <a:rPr lang="en-GB" dirty="0"/>
+              <a:t>Click </a:t>
+            </a:r>
+            <a:r>
+              <a:rPr lang="en-GB" b="1" dirty="0"/>
+              <a:t>Close.</a:t>
+            </a:r>
+            <a:r>
+              <a:rPr lang="en-GB" dirty="0"/>
+              <a:t> </a:t>
+            </a:r>
+          </a:p>
+          <a:p>
+            <a:pPr marL="0" lvl="0" indent="0">
+              <a:buNone/>
+            </a:pPr>
+            <a:r>
+              <a:rPr lang="en-GB" dirty="0" smtClean="0"/>
+              <a:t>After getting  the  geolocation  API, put it in the code </a:t>
+            </a:r>
+            <a:r>
+              <a:rPr lang="en-GB" dirty="0"/>
+              <a:t/>
+            </a:r>
+            <a:br>
+              <a:rPr lang="en-GB" dirty="0"/>
+            </a:br>
+            <a:endParaRPr lang="en-GB" dirty="0"/>
+          </a:p>
+        </p:txBody>
+      </p:sp>
+    </p:spTree>
+    <p:extLst>
+      <p:ext uri="{BB962C8B-B14F-4D97-AF65-F5344CB8AC3E}">
+        <p14:creationId xmlns:p14="http://schemas.microsoft.com/office/powerpoint/2010/main" val="3410410542"/>
+      </p:ext>
+    </p:extLst>
+  </p:cSld>
+  <p:clrMapOvr>
+    <a:masterClrMapping/>
+  </p:clrMapOvr>
+</p:sld>
+</file>
+
 <file path=ppt/slides/slide4.xml><?xml version="1.0" encoding="utf-8"?>
 <p:sld xmlns:a="http://schemas.openxmlformats.org/drawingml/2006/main" xmlns:r="http://schemas.openxmlformats.org/officeDocument/2006/relationships" xmlns:p="http://schemas.openxmlformats.org/presentationml/2006/main">
   <p:cSld>
@@ -3580,173 +3655,94 @@
           <a:lstStyle/>
           <a:p>
             <a:r>
+              <a:rPr lang="nl-NL" dirty="0"/>
+              <a:t>Programming NodeMCU for getting GPS </a:t>
+            </a:r>
+            <a:r>
+              <a:rPr lang="nl-NL" dirty="0" smtClean="0"/>
+              <a:t>data</a:t>
+            </a:r>
+            <a:endParaRPr lang="nl-NL" b="1" dirty="0"/>
+          </a:p>
+        </p:txBody>
+      </p:sp>
+      <p:sp>
+        <p:nvSpPr>
+          <p:cNvPr id="3" name="Content Placeholder 2"/>
+          <p:cNvSpPr>
+            <a:spLocks noGrp="1"/>
+          </p:cNvSpPr>
+          <p:nvPr>
+            <p:ph idx="1"/>
+          </p:nvPr>
+        </p:nvSpPr>
+        <p:spPr/>
+        <p:txBody>
+          <a:bodyPr/>
+          <a:lstStyle/>
+          <a:p>
+            <a:pPr marL="0" indent="0">
+              <a:buNone/>
+            </a:pPr>
+            <a:r>
               <a:rPr lang="en-GB" dirty="0" smtClean="0"/>
-              <a:t>The procedures for getting </a:t>
-            </a:r>
-            <a:r>
-              <a:rPr lang="en-GB" dirty="0"/>
-              <a:t>Google’s </a:t>
-            </a:r>
-            <a:r>
-              <a:rPr lang="en-GB" dirty="0" err="1"/>
-              <a:t>Geolocation</a:t>
-            </a:r>
-            <a:r>
-              <a:rPr lang="en-GB" dirty="0"/>
-              <a:t> API.</a:t>
-            </a:r>
-          </a:p>
-        </p:txBody>
-      </p:sp>
-      <p:sp>
-        <p:nvSpPr>
-          <p:cNvPr id="3" name="Content Placeholder 2"/>
-          <p:cNvSpPr>
-            <a:spLocks noGrp="1"/>
-          </p:cNvSpPr>
-          <p:nvPr>
-            <p:ph idx="1"/>
-          </p:nvPr>
-        </p:nvSpPr>
-        <p:spPr/>
-        <p:txBody>
-          <a:bodyPr>
-            <a:normAutofit fontScale="70000" lnSpcReduction="20000"/>
-          </a:bodyPr>
-          <a:lstStyle/>
-          <a:p>
-            <a:r>
-              <a:rPr lang="en-GB" dirty="0"/>
-              <a:t>Get the API key</a:t>
-            </a:r>
-          </a:p>
-          <a:p>
-            <a:r>
-              <a:rPr lang="en-GB" dirty="0"/>
-              <a:t>You must have at least one API key associated with your project.</a:t>
-            </a:r>
-          </a:p>
-          <a:p>
-            <a:r>
-              <a:rPr lang="en-GB" dirty="0"/>
-              <a:t>To get an API key:</a:t>
-            </a:r>
-          </a:p>
-          <a:p>
-            <a:pPr lvl="0"/>
-            <a:r>
-              <a:rPr lang="en-GB" dirty="0"/>
-              <a:t>Go to the </a:t>
-            </a:r>
-            <a:r>
-              <a:rPr lang="en-GB" dirty="0">
-                <a:hlinkClick r:id="rId2"/>
-              </a:rPr>
-              <a:t>Google Cloud Platform Console</a:t>
-            </a:r>
-            <a:r>
-              <a:rPr lang="en-GB" dirty="0"/>
-              <a:t>.</a:t>
-            </a:r>
-          </a:p>
-          <a:p>
-            <a:pPr lvl="0"/>
-            <a:r>
-              <a:rPr lang="en-GB" dirty="0"/>
-              <a:t>From the Project drop-down menu, select or create the project for which you want to add an API key.</a:t>
-            </a:r>
-          </a:p>
-          <a:p>
-            <a:pPr lvl="0"/>
-            <a:r>
-              <a:rPr lang="en-GB" dirty="0"/>
-              <a:t>From the   Navigation menu, select </a:t>
+              <a:t>We will use Three libraries</a:t>
+            </a:r>
+            <a:r>
+              <a:rPr lang="en-GB" dirty="0"/>
+              <a:t> </a:t>
+            </a:r>
+            <a:endParaRPr lang="en-GB" dirty="0" smtClean="0"/>
+          </a:p>
+          <a:p>
+            <a:pPr marL="0" indent="0">
+              <a:buNone/>
+            </a:pPr>
+            <a:r>
+              <a:rPr lang="en-GB" b="1" dirty="0" smtClean="0"/>
+              <a:t>-ESP8266HTTPClient </a:t>
+            </a:r>
+          </a:p>
+          <a:p>
+            <a:pPr marL="0" indent="0">
+              <a:buNone/>
+            </a:pPr>
+            <a:r>
+              <a:rPr lang="en-GB" b="1" dirty="0" smtClean="0"/>
+              <a:t>- </a:t>
+            </a:r>
+            <a:r>
+              <a:rPr lang="en-GB" b="1" dirty="0" err="1" smtClean="0"/>
+              <a:t>ArduinoJson</a:t>
+            </a:r>
+            <a:r>
+              <a:rPr lang="en-GB" b="1" dirty="0" smtClean="0"/>
+              <a:t> </a:t>
+            </a:r>
+          </a:p>
+          <a:p>
+            <a:pPr marL="0" indent="0">
+              <a:buNone/>
+            </a:pPr>
+            <a:r>
+              <a:rPr lang="en-GB" b="1" dirty="0" smtClean="0"/>
+              <a:t>- </a:t>
             </a:r>
             <a:r>
               <a:rPr lang="en-GB" b="1" dirty="0"/>
-              <a:t>APIs &amp; Services &gt; Credentials</a:t>
-            </a:r>
-            <a:r>
-              <a:rPr lang="en-GB" dirty="0"/>
-              <a:t>.</a:t>
-            </a:r>
-          </a:p>
-          <a:p>
-            <a:pPr lvl="0"/>
-            <a:r>
-              <a:rPr lang="en-GB" dirty="0"/>
-              <a:t>On the </a:t>
-            </a:r>
-            <a:r>
-              <a:rPr lang="en-GB" b="1" dirty="0"/>
-              <a:t>Credentials</a:t>
-            </a:r>
-            <a:r>
-              <a:rPr lang="en-GB" dirty="0"/>
-              <a:t> page, click </a:t>
-            </a:r>
-            <a:r>
-              <a:rPr lang="en-GB" b="1" dirty="0"/>
-              <a:t>Create credentials &gt; API key</a:t>
-            </a:r>
-            <a:r>
-              <a:rPr lang="en-GB" dirty="0"/>
-              <a:t>. </a:t>
-            </a:r>
-            <a:br>
-              <a:rPr lang="en-GB" dirty="0"/>
-            </a:br>
-            <a:r>
-              <a:rPr lang="en-GB" dirty="0"/>
-              <a:t>The </a:t>
-            </a:r>
-            <a:r>
-              <a:rPr lang="en-GB" b="1" dirty="0"/>
-              <a:t>API key created</a:t>
-            </a:r>
-            <a:r>
-              <a:rPr lang="en-GB" dirty="0"/>
-              <a:t> dialog displays your newly created API key (an encrypted string).</a:t>
-            </a:r>
-          </a:p>
-          <a:p>
-            <a:pPr lvl="0"/>
-            <a:r>
-              <a:rPr lang="en-GB" dirty="0"/>
-              <a:t>Click </a:t>
-            </a:r>
-            <a:r>
-              <a:rPr lang="en-GB" b="1" dirty="0"/>
-              <a:t>Close.</a:t>
-            </a:r>
-            <a:r>
-              <a:rPr lang="en-GB" dirty="0"/>
-              <a:t> </a:t>
-            </a:r>
-          </a:p>
-          <a:p>
-            <a:pPr marL="0" lvl="0" indent="0">
-              <a:buNone/>
-            </a:pPr>
-            <a:r>
-              <a:rPr lang="en-GB" dirty="0" smtClean="0"/>
-              <a:t>After getting  the  geolocation  API, put it in the code </a:t>
-            </a:r>
-            <a:r>
-              <a:rPr lang="en-GB" dirty="0"/>
-              <a:t/>
-            </a:r>
-            <a:br>
-              <a:rPr lang="en-GB" dirty="0"/>
-            </a:br>
-            <a:endParaRPr lang="en-GB" dirty="0"/>
+              <a:t>ESP8266WiFi</a:t>
+            </a:r>
+            <a:r>
+              <a:rPr lang="en-GB" dirty="0"/>
+              <a:t> .</a:t>
+            </a:r>
           </a:p>
         </p:txBody>
       </p:sp>
     </p:spTree>
     <p:extLst>
       <p:ext uri="{BB962C8B-B14F-4D97-AF65-F5344CB8AC3E}">
-        <p14:creationId xmlns:p14="http://schemas.microsoft.com/office/powerpoint/2010/main" val="3410410542"/>
+        <p14:creationId xmlns:p14="http://schemas.microsoft.com/office/powerpoint/2010/main" val="1921097821"/>
       </p:ext>
     </p:extLst>
   </p:cSld>
@@ -3785,100 +3781,223 @@
         </p:nvSpPr>
         <p:spPr/>
         <p:txBody>
+          <a:bodyPr/>
+          <a:lstStyle/>
+          <a:p>
+            <a:endParaRPr lang="en-GB" dirty="0"/>
+          </a:p>
+        </p:txBody>
+      </p:sp>
+      <p:sp>
+        <p:nvSpPr>
+          <p:cNvPr id="3" name="Content Placeholder 2"/>
+          <p:cNvSpPr>
+            <a:spLocks noGrp="1"/>
+          </p:cNvSpPr>
+          <p:nvPr>
+            <p:ph idx="1"/>
+          </p:nvPr>
+        </p:nvSpPr>
+        <p:spPr/>
+        <p:txBody>
           <a:bodyPr>
-            <a:normAutofit fontScale="90000"/>
+            <a:normAutofit fontScale="47500" lnSpcReduction="20000"/>
           </a:bodyPr>
           <a:lstStyle/>
           <a:p>
             <a:r>
-              <a:rPr lang="nl-NL" dirty="0"/>
-              <a:t>Programming NodeMCU for getting GPS </a:t>
-            </a:r>
-            <a:r>
-              <a:rPr lang="nl-NL" dirty="0" smtClean="0"/>
-              <a:t>data</a:t>
-            </a:r>
-            <a:endParaRPr lang="nl-NL" b="1" dirty="0"/>
-          </a:p>
-        </p:txBody>
-      </p:sp>
-      <p:sp>
-        <p:nvSpPr>
-          <p:cNvPr id="3" name="Content Placeholder 2"/>
-          <p:cNvSpPr>
-            <a:spLocks noGrp="1"/>
-          </p:cNvSpPr>
-          <p:nvPr>
-            <p:ph idx="1"/>
-          </p:nvPr>
-        </p:nvSpPr>
-        <p:spPr/>
-        <p:txBody>
-          <a:bodyPr/>
-          <a:lstStyle/>
-          <a:p>
-            <a:pPr marL="0" indent="0">
-              <a:buNone/>
-            </a:pPr>
+              <a:rPr lang="en-GB" dirty="0"/>
+              <a:t>#include &lt;ESP8266HTTPClient.h&gt;</a:t>
+            </a:r>
+          </a:p>
+          <a:p>
+            <a:r>
+              <a:rPr lang="en-GB" dirty="0"/>
+              <a:t>#include  &lt;</a:t>
+            </a:r>
+            <a:r>
+              <a:rPr lang="en-GB" dirty="0" err="1"/>
+              <a:t>ArduinoJson.h</a:t>
+            </a:r>
+            <a:r>
+              <a:rPr lang="en-GB" dirty="0"/>
+              <a:t>&gt;</a:t>
+            </a:r>
+          </a:p>
+          <a:p>
+            <a:r>
+              <a:rPr lang="en-GB" dirty="0"/>
+              <a:t>#include "ESP8266WiFi.h"</a:t>
+            </a:r>
+          </a:p>
+          <a:p>
+            <a:r>
+              <a:rPr lang="en-GB" dirty="0"/>
+              <a:t>// your network SSID (name) &amp; network password</a:t>
+            </a:r>
+          </a:p>
+          <a:p>
+            <a:r>
+              <a:rPr lang="en-GB" dirty="0"/>
+              <a:t>char </a:t>
+            </a:r>
+            <a:r>
+              <a:rPr lang="en-GB" dirty="0" err="1"/>
+              <a:t>myssid</a:t>
+            </a:r>
+            <a:r>
+              <a:rPr lang="en-GB" dirty="0"/>
+              <a:t>[] = "ClementRegi4";</a:t>
+            </a:r>
+          </a:p>
+          <a:p>
+            <a:r>
+              <a:rPr lang="en-GB" dirty="0"/>
+              <a:t>char </a:t>
+            </a:r>
+            <a:r>
+              <a:rPr lang="en-GB" dirty="0" err="1"/>
+              <a:t>mypass</a:t>
+            </a:r>
+            <a:r>
+              <a:rPr lang="en-GB" dirty="0"/>
+              <a:t>[] = "44448888";</a:t>
+            </a:r>
+          </a:p>
+          <a:p>
+            <a:r>
+              <a:rPr lang="en-GB" dirty="0"/>
+              <a:t>// </a:t>
+            </a:r>
+            <a:r>
+              <a:rPr lang="en-GB" dirty="0" err="1"/>
+              <a:t>unwiredlabs</a:t>
+            </a:r>
+            <a:r>
+              <a:rPr lang="en-GB" dirty="0"/>
+              <a:t> Hostname &amp; Geolocation Endpoint </a:t>
+            </a:r>
+            <a:r>
+              <a:rPr lang="en-GB" dirty="0" err="1"/>
+              <a:t>url</a:t>
+            </a:r>
+            <a:endParaRPr lang="en-GB" dirty="0"/>
+          </a:p>
+          <a:p>
+            <a:r>
+              <a:rPr lang="en-GB" dirty="0" err="1"/>
+              <a:t>const</a:t>
+            </a:r>
+            <a:r>
+              <a:rPr lang="en-GB" dirty="0"/>
+              <a:t> char* Host = "www.unwiredlabs.com";</a:t>
+            </a:r>
+          </a:p>
+          <a:p>
+            <a:r>
+              <a:rPr lang="en-GB" dirty="0"/>
+              <a:t>String endpoint = "/v2/</a:t>
+            </a:r>
+            <a:r>
+              <a:rPr lang="en-GB" dirty="0" err="1"/>
+              <a:t>process.php</a:t>
+            </a:r>
+            <a:r>
+              <a:rPr lang="en-GB" dirty="0"/>
+              <a:t>";</a:t>
+            </a:r>
+          </a:p>
+          <a:p>
+            <a:r>
+              <a:rPr lang="en-GB" dirty="0"/>
+              <a:t>// </a:t>
+            </a:r>
+            <a:r>
+              <a:rPr lang="en-GB" dirty="0" err="1"/>
+              <a:t>UnwiredLabs</a:t>
+            </a:r>
+            <a:r>
+              <a:rPr lang="en-GB" dirty="0"/>
+              <a:t> </a:t>
+            </a:r>
+            <a:r>
+              <a:rPr lang="en-GB" dirty="0" err="1"/>
+              <a:t>API_Token</a:t>
+            </a:r>
+            <a:r>
+              <a:rPr lang="en-GB" dirty="0"/>
+              <a:t>. Signup here to get a free token https://unwiredlabs.com/trial</a:t>
+            </a:r>
+          </a:p>
+          <a:p>
+            <a:r>
+              <a:rPr lang="en-GB" dirty="0"/>
+              <a:t>String token = "ee5dbe6ded8a53";</a:t>
+            </a:r>
+          </a:p>
+          <a:p>
+            <a:endParaRPr lang="en-GB" dirty="0"/>
+          </a:p>
+          <a:p>
+            <a:r>
+              <a:rPr lang="en-GB" dirty="0"/>
+              <a:t>String </a:t>
+            </a:r>
+            <a:r>
+              <a:rPr lang="en-GB" dirty="0" err="1"/>
+              <a:t>jsonString</a:t>
+            </a:r>
+            <a:r>
+              <a:rPr lang="en-GB" dirty="0"/>
+              <a:t> = "{\n";</a:t>
+            </a:r>
+          </a:p>
+          <a:p>
+            <a:endParaRPr lang="en-GB" dirty="0"/>
+          </a:p>
+          <a:p>
+            <a:r>
+              <a:rPr lang="en-GB" dirty="0"/>
+              <a:t>// Variables to store </a:t>
+            </a:r>
+            <a:r>
+              <a:rPr lang="en-GB" dirty="0" err="1"/>
+              <a:t>unwiredlabs</a:t>
+            </a:r>
+            <a:r>
+              <a:rPr lang="en-GB" dirty="0"/>
+              <a:t> response</a:t>
+            </a:r>
+          </a:p>
+          <a:p>
+            <a:r>
+              <a:rPr lang="en-GB" dirty="0"/>
+              <a:t>double latitude = 0.0;</a:t>
+            </a:r>
+          </a:p>
+          <a:p>
+            <a:r>
+              <a:rPr lang="en-GB" dirty="0"/>
+              <a:t>double longitude = 0.0;</a:t>
+            </a:r>
+          </a:p>
+          <a:p>
+            <a:r>
+              <a:rPr lang="en-GB" dirty="0"/>
+              <a:t>double accuracy = 0.0</a:t>
+            </a:r>
             <a:r>
               <a:rPr lang="en-GB" dirty="0" smtClean="0"/>
-              <a:t>We will use Three libraries</a:t>
-            </a:r>
-            <a:r>
-              <a:rPr lang="en-GB" dirty="0"/>
-              <a:t> </a:t>
-            </a:r>
-            <a:endParaRPr lang="en-GB" dirty="0" smtClean="0"/>
-          </a:p>
-          <a:p>
-            <a:pPr marL="0" indent="0">
-              <a:buNone/>
-            </a:pPr>
-            <a:r>
-              <a:rPr lang="en-GB" b="1" dirty="0" smtClean="0"/>
-              <a:t>-ESP8266HTTPClient </a:t>
-            </a:r>
-          </a:p>
-          <a:p>
-            <a:pPr marL="0" indent="0">
-              <a:buNone/>
-            </a:pPr>
-            <a:r>
-              <a:rPr lang="en-GB" b="1" dirty="0" smtClean="0"/>
-              <a:t>- </a:t>
-            </a:r>
-            <a:r>
-              <a:rPr lang="en-GB" b="1" dirty="0" err="1" smtClean="0"/>
-              <a:t>ArduinoJson</a:t>
-            </a:r>
-            <a:r>
-              <a:rPr lang="en-GB" b="1" dirty="0" smtClean="0"/>
-              <a:t> </a:t>
-            </a:r>
-          </a:p>
-          <a:p>
-            <a:pPr marL="0" indent="0">
-              <a:buNone/>
-            </a:pPr>
-            <a:r>
-              <a:rPr lang="en-GB" b="1" dirty="0" smtClean="0"/>
-              <a:t>- </a:t>
-            </a:r>
-            <a:r>
-              <a:rPr lang="en-GB" b="1" dirty="0"/>
-              <a:t>ESP8266WiFi</a:t>
-            </a:r>
-            <a:r>
-              <a:rPr lang="en-GB" dirty="0"/>
-              <a:t> .</a:t>
-            </a:r>
+              <a:t>;…………………………………</a:t>
+            </a:r>
+            <a:endParaRPr lang="en-GB" dirty="0"/>
           </a:p>
         </p:txBody>
       </p:sp>
     </p:spTree>
     <p:extLst>
       <p:ext uri="{BB962C8B-B14F-4D97-AF65-F5344CB8AC3E}">
-        <p14:creationId xmlns:p14="http://schemas.microsoft.com/office/powerpoint/2010/main" val="1921097821"/>
+        <p14:creationId xmlns:p14="http://schemas.microsoft.com/office/powerpoint/2010/main" val="407752998"/>
       </p:ext>
     </p:extLst>
   </p:cSld>
@@ -3920,261 +4039,6 @@
           <a:bodyPr/>
           <a:lstStyle/>
           <a:p>
-            <a:endParaRPr lang="en-GB" dirty="0"/>
-          </a:p>
-        </p:txBody>
-      </p:sp>
-      <p:sp>
-        <p:nvSpPr>
-          <p:cNvPr id="3" name="Content Placeholder 2"/>
-          <p:cNvSpPr>
-            <a:spLocks noGrp="1"/>
-          </p:cNvSpPr>
-          <p:nvPr>
-            <p:ph idx="1"/>
-          </p:nvPr>
-        </p:nvSpPr>
-        <p:spPr/>
-        <p:txBody>
-          <a:bodyPr>
-            <a:normAutofit fontScale="47500" lnSpcReduction="20000"/>
-          </a:bodyPr>
-          <a:lstStyle/>
-          <a:p>
-            <a:r>
-              <a:rPr lang="en-GB" dirty="0"/>
-              <a:t>#include &lt;ESP8266HTTPClient.h&gt;</a:t>
-            </a:r>
-          </a:p>
-          <a:p>
-            <a:r>
-              <a:rPr lang="en-GB" dirty="0"/>
-              <a:t>#include  &lt;</a:t>
-            </a:r>
-            <a:r>
-              <a:rPr lang="en-GB" dirty="0" err="1"/>
-              <a:t>ArduinoJson.h</a:t>
-            </a:r>
-            <a:r>
-              <a:rPr lang="en-GB" dirty="0"/>
-              <a:t>&gt;</a:t>
-            </a:r>
-          </a:p>
-          <a:p>
-            <a:r>
-              <a:rPr lang="en-GB" dirty="0"/>
-              <a:t>#include "ESP8266WiFi.h"</a:t>
-            </a:r>
-          </a:p>
-          <a:p>
-            <a:r>
-              <a:rPr lang="en-GB" dirty="0"/>
-              <a:t>// your network SSID (name) &amp; network password</a:t>
-            </a:r>
-          </a:p>
-          <a:p>
-            <a:r>
-              <a:rPr lang="en-GB" dirty="0"/>
-              <a:t>char </a:t>
-            </a:r>
-            <a:r>
-              <a:rPr lang="en-GB" dirty="0" err="1"/>
-              <a:t>myssid</a:t>
-            </a:r>
-            <a:r>
-              <a:rPr lang="en-GB" dirty="0"/>
-              <a:t>[] = "ClementRegi4";</a:t>
-            </a:r>
-          </a:p>
-          <a:p>
-            <a:r>
-              <a:rPr lang="en-GB" dirty="0"/>
-              <a:t>char </a:t>
-            </a:r>
-            <a:r>
-              <a:rPr lang="en-GB" dirty="0" err="1"/>
-              <a:t>mypass</a:t>
-            </a:r>
-            <a:r>
-              <a:rPr lang="en-GB" dirty="0"/>
-              <a:t>[] = "44448888";</a:t>
-            </a:r>
-          </a:p>
-          <a:p>
-            <a:r>
-              <a:rPr lang="en-GB" dirty="0"/>
-              <a:t>// </a:t>
-            </a:r>
-            <a:r>
-              <a:rPr lang="en-GB" dirty="0" err="1"/>
-              <a:t>unwiredlabs</a:t>
-            </a:r>
-            <a:r>
-              <a:rPr lang="en-GB" dirty="0"/>
-              <a:t> Hostname &amp; Geolocation Endpoint </a:t>
-            </a:r>
-            <a:r>
-              <a:rPr lang="en-GB" dirty="0" err="1"/>
-              <a:t>url</a:t>
-            </a:r>
-            <a:endParaRPr lang="en-GB" dirty="0"/>
-          </a:p>
-          <a:p>
-            <a:r>
-              <a:rPr lang="en-GB" dirty="0" err="1"/>
-              <a:t>const</a:t>
-            </a:r>
-            <a:r>
-              <a:rPr lang="en-GB" dirty="0"/>
-              <a:t> char* Host = "www.unwiredlabs.com";</a:t>
-            </a:r>
-          </a:p>
-          <a:p>
-            <a:r>
-              <a:rPr lang="en-GB" dirty="0"/>
-              <a:t>String endpoint = "/v2/</a:t>
-            </a:r>
-            <a:r>
-              <a:rPr lang="en-GB" dirty="0" err="1"/>
-              <a:t>process.php</a:t>
-            </a:r>
-            <a:r>
-              <a:rPr lang="en-GB" dirty="0"/>
-              <a:t>";</a:t>
-            </a:r>
-          </a:p>
-          <a:p>
-            <a:r>
-              <a:rPr lang="en-GB" dirty="0"/>
-              <a:t>// </a:t>
-            </a:r>
-            <a:r>
-              <a:rPr lang="en-GB" dirty="0" err="1"/>
-              <a:t>UnwiredLabs</a:t>
-            </a:r>
-            <a:r>
-              <a:rPr lang="en-GB" dirty="0"/>
-              <a:t> </a:t>
-            </a:r>
-            <a:r>
-              <a:rPr lang="en-GB" dirty="0" err="1"/>
-              <a:t>API_Token</a:t>
-            </a:r>
-            <a:r>
-              <a:rPr lang="en-GB" dirty="0"/>
-              <a:t>. Signup here to get a free token https://unwiredlabs.com/trial</a:t>
-            </a:r>
-          </a:p>
-          <a:p>
-            <a:r>
-              <a:rPr lang="en-GB" dirty="0"/>
-              <a:t>String token = "ee5dbe6ded8a53";</a:t>
-            </a:r>
-          </a:p>
-          <a:p>
-            <a:endParaRPr lang="en-GB" dirty="0"/>
-          </a:p>
-          <a:p>
-            <a:r>
-              <a:rPr lang="en-GB" dirty="0"/>
-              <a:t>String </a:t>
-            </a:r>
-            <a:r>
-              <a:rPr lang="en-GB" dirty="0" err="1"/>
-              <a:t>jsonString</a:t>
-            </a:r>
-            <a:r>
-              <a:rPr lang="en-GB" dirty="0"/>
-              <a:t> = "{\n";</a:t>
-            </a:r>
-          </a:p>
-          <a:p>
-            <a:endParaRPr lang="en-GB" dirty="0"/>
-          </a:p>
-          <a:p>
-            <a:r>
-              <a:rPr lang="en-GB" dirty="0"/>
-              <a:t>// Variables to store </a:t>
-            </a:r>
-            <a:r>
-              <a:rPr lang="en-GB" dirty="0" err="1"/>
-              <a:t>unwiredlabs</a:t>
-            </a:r>
-            <a:r>
-              <a:rPr lang="en-GB" dirty="0"/>
-              <a:t> response</a:t>
-            </a:r>
-          </a:p>
-          <a:p>
-            <a:r>
-              <a:rPr lang="en-GB" dirty="0"/>
-              <a:t>double latitude = 0.0;</a:t>
-            </a:r>
-          </a:p>
-          <a:p>
-            <a:r>
-              <a:rPr lang="en-GB" dirty="0"/>
-              <a:t>double longitude = 0.0;</a:t>
-            </a:r>
-          </a:p>
-          <a:p>
-            <a:r>
-              <a:rPr lang="en-GB" dirty="0"/>
-              <a:t>double accuracy = 0.0</a:t>
-            </a:r>
-            <a:r>
-              <a:rPr lang="en-GB" dirty="0" smtClean="0"/>
-              <a:t>;…………………………………</a:t>
-            </a:r>
-            <a:endParaRPr lang="en-GB" dirty="0"/>
-          </a:p>
-        </p:txBody>
-      </p:sp>
-    </p:spTree>
-    <p:extLst>
-      <p:ext uri="{BB962C8B-B14F-4D97-AF65-F5344CB8AC3E}">
-        <p14:creationId xmlns:p14="http://schemas.microsoft.com/office/powerpoint/2010/main" val="407752998"/>
-      </p:ext>
-    </p:extLst>
-  </p:cSld>
-  <p:clrMapOvr>
-    <a:masterClrMapping/>
-  </p:clrMapOvr>
-</p:sld>
-</file>
-
-<file path=ppt/slides/slide7.xml><?xml version="1.0" encoding="utf-8"?>
-<p:sld xmlns:a="http://schemas.openxmlformats.org/drawingml/2006/main" xmlns:r="http://schemas.openxmlformats.org/officeDocument/2006/relationships" xmlns:p="http://schemas.openxmlformats.org/presentationml/2006/main">
-  <p:cSld>
-    <p:spTree>
-      <p:nvGrpSpPr>
-        <p:cNvPr id="1" name=""/>
-        <p:cNvGrpSpPr/>
-        <p:nvPr/>
-      </p:nvGrpSpPr>
-      <p:grpSpPr>
-        <a:xfrm>
-          <a:off x="0" y="0"/>
-          <a:ext cx="0" cy="0"/>
-          <a:chOff x="0" y="0"/>
-          <a:chExt cx="0" cy="0"/>
-        </a:xfrm>
-      </p:grpSpPr>
-      <p:sp>
-        <p:nvSpPr>
-          <p:cNvPr id="2" name="Title 1"/>
-          <p:cNvSpPr>
-            <a:spLocks noGrp="1"/>
-          </p:cNvSpPr>
-          <p:nvPr>
-            <p:ph type="title"/>
-          </p:nvPr>
-        </p:nvSpPr>
-        <p:spPr/>
-        <p:txBody>
-          <a:bodyPr/>
-          <a:lstStyle/>
-          <a:p>
             <a:endParaRPr lang="en-GB"/>
           </a:p>
         </p:txBody>
@@ -4264,7 +4128,7 @@
 </p:sld>
 </file>
 
-<file path=ppt/slides/slide8.xml><?xml version="1.0" encoding="utf-8"?>
+<file path=ppt/slides/slide7.xml><?xml version="1.0" encoding="utf-8"?>
 <p:sld xmlns:a="http://schemas.openxmlformats.org/drawingml/2006/main" xmlns:r="http://schemas.openxmlformats.org/officeDocument/2006/relationships" xmlns:p="http://schemas.openxmlformats.org/presentationml/2006/main">
   <p:cSld>
     <p:spTree>
@@ -4360,7 +4224,7 @@
 </p:sld>
 </file>
 
-<file path=ppt/slides/slide9.xml><?xml version="1.0" encoding="utf-8"?>
+<file path=ppt/slides/slide8.xml><?xml version="1.0" encoding="utf-8"?>
 <p:sld xmlns:a="http://schemas.openxmlformats.org/drawingml/2006/main" xmlns:r="http://schemas.openxmlformats.org/officeDocument/2006/relationships" xmlns:p="http://schemas.openxmlformats.org/presentationml/2006/main">
   <p:cSld>
     <p:spTree>
